--- a/報告/Final_Project.pptx
+++ b/報告/Final_Project.pptx
@@ -313,6 +313,38 @@
       </pc:sldChg>
     </pc:docChg>
   </pc:docChgLst>
+  <pc:docChgLst>
+    <pc:chgData userId="4b0c7ea78530ac67" providerId="LiveId" clId="{06820074-B63D-4040-AA88-3AB246FC9AA7}"/>
+    <pc:docChg chg="modSld">
+      <pc:chgData name="" userId="4b0c7ea78530ac67" providerId="LiveId" clId="{06820074-B63D-4040-AA88-3AB246FC9AA7}" dt="2021-06-25T07:29:35.361" v="1"/>
+      <pc:docMkLst>
+        <pc:docMk/>
+      </pc:docMkLst>
+      <pc:sldChg chg="modSp">
+        <pc:chgData name="" userId="4b0c7ea78530ac67" providerId="LiveId" clId="{06820074-B63D-4040-AA88-3AB246FC9AA7}" dt="2021-06-25T07:29:35.361" v="1"/>
+        <pc:sldMkLst>
+          <pc:docMk/>
+          <pc:sldMk cId="0" sldId="256"/>
+        </pc:sldMkLst>
+        <pc:spChg chg="mod">
+          <ac:chgData name="" userId="4b0c7ea78530ac67" providerId="LiveId" clId="{06820074-B63D-4040-AA88-3AB246FC9AA7}" dt="2021-06-25T07:29:30.964" v="0"/>
+          <ac:spMkLst>
+            <pc:docMk/>
+            <pc:sldMk cId="0" sldId="256"/>
+            <ac:spMk id="182" creationId="{00000000-0000-0000-0000-000000000000}"/>
+          </ac:spMkLst>
+        </pc:spChg>
+        <pc:spChg chg="mod">
+          <ac:chgData name="" userId="4b0c7ea78530ac67" providerId="LiveId" clId="{06820074-B63D-4040-AA88-3AB246FC9AA7}" dt="2021-06-25T07:29:35.361" v="1"/>
+          <ac:spMkLst>
+            <pc:docMk/>
+            <pc:sldMk cId="0" sldId="256"/>
+            <ac:spMk id="183" creationId="{00000000-0000-0000-0000-000000000000}"/>
+          </ac:spMkLst>
+        </pc:spChg>
+      </pc:sldChg>
+    </pc:docChg>
+  </pc:docChgLst>
 </pc:chgInfo>
 </file>
 
@@ -37181,36 +37213,22 @@
           </a:bodyPr>
           <a:lstStyle/>
           <a:p>
-            <a:pPr marL="0" marR="0" lvl="0" indent="0" algn="ctr" rtl="0">
+            <a:pPr algn="ctr" defTabSz="914400" eaLnBrk="1" hangingPunct="1">
               <a:lnSpc>
                 <a:spcPct val="110000"/>
               </a:lnSpc>
-              <a:spcBef>
-                <a:spcPts val="0"/>
-              </a:spcBef>
-              <a:spcAft>
-                <a:spcPts val="0"/>
-              </a:spcAft>
-              <a:buClr>
-                <a:srgbClr val="0070C0"/>
-              </a:buClr>
-              <a:buSzPts val="6000"/>
-              <a:buFont typeface="Times New Roman"/>
-              <a:buNone/>
             </a:pPr>
             <a:r>
-              <a:rPr lang="en-US" sz="6000" b="1" i="0" u="none">
+              <a:rPr lang="zh-TW" altLang="en-US" sz="6000" b="1" dirty="0">
                 <a:solidFill>
                   <a:srgbClr val="0070C0"/>
                 </a:solidFill>
-                <a:latin typeface="Times New Roman"/>
-                <a:ea typeface="Times New Roman"/>
-                <a:cs typeface="Times New Roman"/>
-                <a:sym typeface="Times New Roman"/>
+                <a:latin typeface="Times New Roman" panose="02020603050405020304" pitchFamily="18" charset="0"/>
+                <a:ea typeface="Arial Unicode MS" pitchFamily="34" charset="-120"/>
+                <a:cs typeface="Times New Roman" panose="02020603050405020304" pitchFamily="18" charset="0"/>
               </a:rPr>
-              <a:t>Project Title</a:t>
+              <a:t>台灣牧場乳量預測</a:t>
             </a:r>
-            <a:endParaRPr/>
           </a:p>
         </p:txBody>
       </p:sp>
@@ -37239,68 +37257,41 @@
           </a:bodyPr>
           <a:lstStyle/>
           <a:p>
-            <a:pPr marL="509587" marR="0" lvl="0" indent="-509587" algn="ctr" rtl="0">
+            <a:pPr marL="509588" indent="-509588" algn="ctr" defTabSz="3808413">
               <a:lnSpc>
                 <a:spcPct val="120000"/>
               </a:lnSpc>
-              <a:spcBef>
-                <a:spcPts val="0"/>
-              </a:spcBef>
-              <a:spcAft>
-                <a:spcPts val="0"/>
-              </a:spcAft>
-              <a:buClr>
-                <a:schemeClr val="dk1"/>
-              </a:buClr>
-              <a:buSzPts val="3200"/>
-              <a:buFont typeface="Calibri"/>
-              <a:buNone/>
+              <a:defRPr/>
             </a:pPr>
             <a:r>
-              <a:rPr lang="en-US" sz="3200" b="1" i="0" u="none">
-                <a:solidFill>
-                  <a:schemeClr val="dk1"/>
-                </a:solidFill>
-                <a:latin typeface="Calibri"/>
-                <a:ea typeface="Calibri"/>
-                <a:cs typeface="Calibri"/>
-                <a:sym typeface="Calibri"/>
+              <a:rPr lang="en-US" altLang="zh-TW" sz="3200" b="1" dirty="0">
+                <a:cs typeface="Arial" charset="0"/>
               </a:rPr>
               <a:t>Pattern Recognition Final Project</a:t>
             </a:r>
-            <a:endParaRPr/>
+            <a:endParaRPr lang="zh-TW" altLang="en-US" sz="3200" b="1" dirty="0">
+              <a:cs typeface="Arial" charset="0"/>
+            </a:endParaRPr>
           </a:p>
           <a:p>
-            <a:pPr marL="509587" marR="0" lvl="0" indent="-509587" algn="ctr" rtl="0">
+            <a:pPr marL="509588" indent="-509588" algn="ctr" defTabSz="3808413">
               <a:lnSpc>
                 <a:spcPct val="120000"/>
               </a:lnSpc>
-              <a:spcBef>
-                <a:spcPts val="0"/>
-              </a:spcBef>
-              <a:spcAft>
-                <a:spcPts val="0"/>
-              </a:spcAft>
-              <a:buClr>
-                <a:schemeClr val="dk1"/>
-              </a:buClr>
-              <a:buSzPts val="3200"/>
-              <a:buFont typeface="Calibri"/>
-              <a:buNone/>
+              <a:defRPr/>
             </a:pPr>
             <a:r>
-              <a:rPr lang="en-US" sz="3200" b="1" i="0" u="none">
-                <a:solidFill>
-                  <a:schemeClr val="dk1"/>
-                </a:solidFill>
-                <a:latin typeface="Calibri"/>
-                <a:ea typeface="Calibri"/>
-                <a:cs typeface="Calibri"/>
-                <a:sym typeface="Calibri"/>
+              <a:rPr lang="en-US" altLang="zh-TW" sz="3200" b="1" dirty="0">
+                <a:cs typeface="Arial" charset="0"/>
               </a:rPr>
-              <a:t>Team member: A, B, and C</a:t>
+              <a:t>Team member: </a:t>
             </a:r>
-            <a:endParaRPr/>
+            <a:r>
+              <a:rPr lang="zh-TW" altLang="en-US" sz="3200" b="1" dirty="0">
+                <a:cs typeface="Arial" charset="0"/>
+              </a:rPr>
+              <a:t>洪廷維、</a:t>
+            </a:r>
           </a:p>
         </p:txBody>
       </p:sp>
